--- a/redis.pptx
+++ b/redis.pptx
@@ -1093,6 +1093,13 @@
         </dgm:presLayoutVars>
       </dgm:prSet>
       <dgm:spPr/>
+      <dgm:t>
+        <a:bodyPr/>
+        <a:lstStyle/>
+        <a:p>
+          <a:endParaRPr lang="zh-CN" altLang="en-US"/>
+        </a:p>
+      </dgm:t>
     </dgm:pt>
     <dgm:pt modelId="{0A0247A9-69E2-4A63-8E3C-00759E06E61D}" type="pres">
       <dgm:prSet presAssocID="{E69CBC6B-4AB2-4618-B091-AEBFF6D25B58}" presName="radial" presStyleCnt="0">
@@ -1105,6 +1112,13 @@
     <dgm:pt modelId="{E9310B41-C4A8-443E-B390-705FA09AFCFC}" type="pres">
       <dgm:prSet presAssocID="{601A96CC-5E06-4AFE-BA5B-D43A77FD0A23}" presName="centerShape" presStyleLbl="vennNode1" presStyleIdx="0" presStyleCnt="5"/>
       <dgm:spPr/>
+      <dgm:t>
+        <a:bodyPr/>
+        <a:lstStyle/>
+        <a:p>
+          <a:endParaRPr lang="zh-CN" altLang="en-US"/>
+        </a:p>
+      </dgm:t>
     </dgm:pt>
     <dgm:pt modelId="{CD08641C-B11E-4DEE-9B38-A012AF0682DE}" type="pres">
       <dgm:prSet presAssocID="{17631D6E-3C86-4542-B231-10EEFC9510A6}" presName="node" presStyleLbl="vennNode1" presStyleIdx="1" presStyleCnt="5">
@@ -1113,6 +1127,13 @@
         </dgm:presLayoutVars>
       </dgm:prSet>
       <dgm:spPr/>
+      <dgm:t>
+        <a:bodyPr/>
+        <a:lstStyle/>
+        <a:p>
+          <a:endParaRPr lang="zh-CN" altLang="en-US"/>
+        </a:p>
+      </dgm:t>
     </dgm:pt>
     <dgm:pt modelId="{B677D6FC-46F9-4455-9536-829E34F1CC56}" type="pres">
       <dgm:prSet presAssocID="{EA6B6185-7F1A-49E3-8495-00C6E61894BE}" presName="node" presStyleLbl="vennNode1" presStyleIdx="2" presStyleCnt="5">
@@ -1121,6 +1142,13 @@
         </dgm:presLayoutVars>
       </dgm:prSet>
       <dgm:spPr/>
+      <dgm:t>
+        <a:bodyPr/>
+        <a:lstStyle/>
+        <a:p>
+          <a:endParaRPr lang="zh-CN" altLang="en-US"/>
+        </a:p>
+      </dgm:t>
     </dgm:pt>
     <dgm:pt modelId="{9A1D5592-1AD1-4F40-8F1F-A201BD3AE130}" type="pres">
       <dgm:prSet presAssocID="{F265CEB8-F307-48A4-B776-AE7446D290C7}" presName="node" presStyleLbl="vennNode1" presStyleIdx="3" presStyleCnt="5">
@@ -1129,6 +1157,13 @@
         </dgm:presLayoutVars>
       </dgm:prSet>
       <dgm:spPr/>
+      <dgm:t>
+        <a:bodyPr/>
+        <a:lstStyle/>
+        <a:p>
+          <a:endParaRPr lang="zh-CN" altLang="en-US"/>
+        </a:p>
+      </dgm:t>
     </dgm:pt>
     <dgm:pt modelId="{9AFB9724-C17B-46A0-9796-D2B4F2C6E6A8}" type="pres">
       <dgm:prSet presAssocID="{C19B47A8-F68E-47F6-970D-6C262EF99120}" presName="node" presStyleLbl="vennNode1" presStyleIdx="4" presStyleCnt="5">
@@ -1137,6 +1172,13 @@
         </dgm:presLayoutVars>
       </dgm:prSet>
       <dgm:spPr/>
+      <dgm:t>
+        <a:bodyPr/>
+        <a:lstStyle/>
+        <a:p>
+          <a:endParaRPr lang="zh-CN" altLang="en-US"/>
+        </a:p>
+      </dgm:t>
     </dgm:pt>
   </dgm:ptLst>
   <dgm:cxnLst>
@@ -2877,7 +2919,7 @@
           <a:p>
             <a:fld id="{FFE61E7C-601A-4A9F-8582-195BD2D08495}" type="datetimeFigureOut">
               <a:rPr lang="zh-CN" altLang="en-US" smtClean="0"/>
-              <a:t>2018/10/16</a:t>
+              <a:t>2018/10/29</a:t>
             </a:fld>
             <a:endParaRPr lang="zh-CN" altLang="en-US"/>
           </a:p>
@@ -5916,14 +5958,39 @@
           <a:p>
             <a:r>
               <a:rPr lang="zh-CN" altLang="en-US" dirty="0" smtClean="0"/>
-              <a:t>隔离：事务中的所有命令都会序列化、按顺序执行，事务在执行的过程中不会被其他客户端发送来的命令请求所打断</a:t>
-            </a:r>
-            <a:endParaRPr lang="en-US" altLang="zh-CN" dirty="0" smtClean="0"/>
-          </a:p>
-          <a:p>
+              <a:t>应用：在</a:t>
+            </a:r>
+            <a:r>
+              <a:rPr lang="en-US" altLang="zh-CN" dirty="0" smtClean="0"/>
+              <a:t>sentinel</a:t>
+            </a:r>
             <a:r>
               <a:rPr lang="zh-CN" altLang="en-US" dirty="0" smtClean="0"/>
-              <a:t>原子：事务中的命令要么全部被执行，要么全部都不执行</a:t>
+              <a:t>集群中，</a:t>
+            </a:r>
+            <a:r>
+              <a:rPr lang="en-US" altLang="zh-CN" dirty="0" smtClean="0"/>
+              <a:t>master</a:t>
+            </a:r>
+            <a:r>
+              <a:rPr lang="zh-CN" altLang="en-US" dirty="0" smtClean="0"/>
+              <a:t>节点有一个发布订阅频道，</a:t>
+            </a:r>
+            <a:r>
+              <a:rPr lang="en-US" altLang="zh-CN" dirty="0" smtClean="0"/>
+              <a:t>sentinel</a:t>
+            </a:r>
+            <a:r>
+              <a:rPr lang="zh-CN" altLang="en-US" dirty="0" smtClean="0"/>
+              <a:t>与</a:t>
+            </a:r>
+            <a:r>
+              <a:rPr lang="en-US" altLang="zh-CN" dirty="0" smtClean="0"/>
+              <a:t>master</a:t>
+            </a:r>
+            <a:r>
+              <a:rPr lang="zh-CN" altLang="en-US" smtClean="0"/>
+              <a:t>之间通过发布订阅来交换信息</a:t>
             </a:r>
             <a:endParaRPr lang="zh-CN" altLang="en-US" dirty="0"/>
           </a:p>
@@ -6014,6 +6081,209 @@
           <a:bodyPr/>
           <a:lstStyle/>
           <a:p>
+            <a:r>
+              <a:rPr lang="zh-CN" altLang="en-US" dirty="0" smtClean="0"/>
+              <a:t>隔离：事务中的所有命令都会序列化、按顺序执行，事务在执行的过程中不会被其他客户端发送来的命令请求所打断</a:t>
+            </a:r>
+            <a:endParaRPr lang="en-US" altLang="zh-CN" dirty="0" smtClean="0"/>
+          </a:p>
+          <a:p>
+            <a:r>
+              <a:rPr lang="zh-CN" altLang="en-US" dirty="0" smtClean="0"/>
+              <a:t>原子：事务中的命令要么全部被执行，要么全部都不</a:t>
+            </a:r>
+            <a:r>
+              <a:rPr lang="zh-CN" altLang="en-US" dirty="0" smtClean="0"/>
+              <a:t>执行</a:t>
+            </a:r>
+            <a:endParaRPr lang="en-US" altLang="zh-CN" dirty="0" smtClean="0"/>
+          </a:p>
+          <a:p>
+            <a:endParaRPr lang="en-US" altLang="zh-CN" dirty="0" smtClean="0"/>
+          </a:p>
+          <a:p>
+            <a:r>
+              <a:rPr lang="zh-CN" altLang="en-US" dirty="0" smtClean="0"/>
+              <a:t>相关命令：</a:t>
+            </a:r>
+            <a:endParaRPr lang="en-US" altLang="zh-CN" dirty="0" smtClean="0"/>
+          </a:p>
+          <a:p>
+            <a:r>
+              <a:rPr lang="en-US" altLang="zh-CN" dirty="0" smtClean="0"/>
+              <a:t>Multi</a:t>
+            </a:r>
+            <a:r>
+              <a:rPr lang="zh-CN" altLang="en-US" dirty="0" smtClean="0"/>
+              <a:t>、</a:t>
+            </a:r>
+            <a:r>
+              <a:rPr lang="en-US" altLang="zh-CN" dirty="0" smtClean="0"/>
+              <a:t>exec</a:t>
+            </a:r>
+            <a:r>
+              <a:rPr lang="zh-CN" altLang="en-US" dirty="0" smtClean="0"/>
+              <a:t>、</a:t>
+            </a:r>
+            <a:r>
+              <a:rPr lang="en-US" altLang="zh-CN" dirty="0" smtClean="0"/>
+              <a:t>discard</a:t>
+            </a:r>
+            <a:r>
+              <a:rPr lang="zh-CN" altLang="en-US" dirty="0" smtClean="0"/>
+              <a:t>（清除在事务中放入队列的命令）、</a:t>
+            </a:r>
+            <a:r>
+              <a:rPr lang="en-US" altLang="zh-CN" dirty="0" smtClean="0"/>
+              <a:t>watch</a:t>
+            </a:r>
+            <a:r>
+              <a:rPr lang="zh-CN" altLang="en-US" dirty="0" smtClean="0"/>
+              <a:t>（监控某个键）、</a:t>
+            </a:r>
+            <a:r>
+              <a:rPr lang="en-US" altLang="zh-CN" dirty="0" err="1" smtClean="0"/>
+              <a:t>unwatch</a:t>
+            </a:r>
+            <a:r>
+              <a:rPr lang="en-US" altLang="zh-CN" dirty="0" smtClean="0"/>
+              <a:t>(</a:t>
+            </a:r>
+            <a:r>
+              <a:rPr lang="zh-CN" altLang="en-US" dirty="0" smtClean="0"/>
+              <a:t>清除监控</a:t>
+            </a:r>
+            <a:r>
+              <a:rPr lang="en-US" altLang="zh-CN" dirty="0" smtClean="0"/>
+              <a:t>)</a:t>
+            </a:r>
+          </a:p>
+          <a:p>
+            <a:r>
+              <a:rPr lang="en-US" altLang="zh-CN" dirty="0" smtClean="0"/>
+              <a:t>Watch</a:t>
+            </a:r>
+            <a:r>
+              <a:rPr lang="zh-CN" altLang="en-US" dirty="0" smtClean="0"/>
+              <a:t>的作用：</a:t>
+            </a:r>
+            <a:r>
+              <a:rPr lang="en-US" altLang="zh-CN" sz="1200" b="0" i="0" kern="1200" dirty="0" err="1" smtClean="0">
+                <a:solidFill>
+                  <a:schemeClr val="tx1"/>
+                </a:solidFill>
+                <a:effectLst/>
+                <a:latin typeface="+mn-lt"/>
+                <a:ea typeface="+mn-ea"/>
+                <a:cs typeface="+mn-cs"/>
+              </a:rPr>
+              <a:t>Redis</a:t>
+            </a:r>
+            <a:r>
+              <a:rPr lang="zh-CN" altLang="en-US" sz="1200" b="0" i="0" kern="1200" dirty="0" smtClean="0">
+                <a:solidFill>
+                  <a:schemeClr val="tx1"/>
+                </a:solidFill>
+                <a:effectLst/>
+                <a:latin typeface="+mn-lt"/>
+                <a:ea typeface="+mn-ea"/>
+                <a:cs typeface="+mn-cs"/>
+              </a:rPr>
+              <a:t>只有在所有受监控的键都没有被修改时，才会执行事务。相当于</a:t>
+            </a:r>
+            <a:r>
+              <a:rPr lang="en-US" altLang="zh-CN" sz="1200" b="0" i="0" kern="1200" dirty="0" err="1" smtClean="0">
+                <a:solidFill>
+                  <a:schemeClr val="tx1"/>
+                </a:solidFill>
+                <a:effectLst/>
+                <a:latin typeface="+mn-lt"/>
+                <a:ea typeface="+mn-ea"/>
+                <a:cs typeface="+mn-cs"/>
+              </a:rPr>
+              <a:t>cas</a:t>
+            </a:r>
+            <a:r>
+              <a:rPr lang="zh-CN" altLang="en-US" sz="1200" b="0" i="0" kern="1200" dirty="0" smtClean="0">
+                <a:solidFill>
+                  <a:schemeClr val="tx1"/>
+                </a:solidFill>
+                <a:effectLst/>
+                <a:latin typeface="+mn-lt"/>
+                <a:ea typeface="+mn-ea"/>
+                <a:cs typeface="+mn-cs"/>
+              </a:rPr>
+              <a:t>，在多线程中保证原子性</a:t>
+            </a:r>
+            <a:endParaRPr lang="en-US" altLang="zh-CN" sz="1200" b="0" i="0" kern="1200" dirty="0" smtClean="0">
+              <a:solidFill>
+                <a:schemeClr val="tx1"/>
+              </a:solidFill>
+              <a:effectLst/>
+              <a:latin typeface="+mn-lt"/>
+              <a:ea typeface="+mn-ea"/>
+              <a:cs typeface="+mn-cs"/>
+            </a:endParaRPr>
+          </a:p>
+          <a:p>
+            <a:endParaRPr lang="en-US" altLang="zh-CN" sz="1200" b="0" i="0" kern="1200" dirty="0" smtClean="0">
+              <a:solidFill>
+                <a:schemeClr val="tx1"/>
+              </a:solidFill>
+              <a:effectLst/>
+              <a:latin typeface="+mn-lt"/>
+              <a:ea typeface="+mn-ea"/>
+              <a:cs typeface="+mn-cs"/>
+            </a:endParaRPr>
+          </a:p>
+          <a:p>
+            <a:endParaRPr lang="en-US" altLang="zh-CN" sz="1200" b="0" i="0" kern="1200" dirty="0" smtClean="0">
+              <a:solidFill>
+                <a:schemeClr val="tx1"/>
+              </a:solidFill>
+              <a:effectLst/>
+              <a:latin typeface="+mn-lt"/>
+              <a:ea typeface="+mn-ea"/>
+              <a:cs typeface="+mn-cs"/>
+            </a:endParaRPr>
+          </a:p>
+          <a:p>
+            <a:r>
+              <a:rPr lang="zh-CN" altLang="en-US" sz="1200" b="0" i="0" kern="1200" dirty="0" smtClean="0">
+                <a:solidFill>
+                  <a:schemeClr val="tx1"/>
+                </a:solidFill>
+                <a:effectLst/>
+                <a:latin typeface="+mn-lt"/>
+                <a:ea typeface="+mn-ea"/>
+                <a:cs typeface="+mn-cs"/>
+              </a:rPr>
+              <a:t>缺点：</a:t>
+            </a:r>
+            <a:r>
+              <a:rPr lang="en-US" altLang="zh-CN" sz="1200" b="0" i="0" kern="1200" dirty="0" err="1" smtClean="0">
+                <a:solidFill>
+                  <a:schemeClr val="tx1"/>
+                </a:solidFill>
+                <a:effectLst/>
+                <a:latin typeface="+mn-lt"/>
+                <a:ea typeface="+mn-ea"/>
+                <a:cs typeface="+mn-cs"/>
+              </a:rPr>
+              <a:t>redis</a:t>
+            </a:r>
+            <a:r>
+              <a:rPr lang="zh-CN" altLang="en-US" sz="1200" b="0" i="0" kern="1200" dirty="0" smtClean="0">
+                <a:solidFill>
+                  <a:schemeClr val="tx1"/>
+                </a:solidFill>
+                <a:effectLst/>
+                <a:latin typeface="+mn-lt"/>
+                <a:ea typeface="+mn-ea"/>
+                <a:cs typeface="+mn-cs"/>
+              </a:rPr>
+              <a:t>事务没有回滚</a:t>
+            </a:r>
             <a:endParaRPr lang="zh-CN" altLang="en-US" dirty="0"/>
           </a:p>
         </p:txBody>
@@ -9152,14 +9422,6 @@
               </a:rPr>
               <a:t>进行同步</a:t>
             </a:r>
-            <a:endParaRPr lang="zh-CN" altLang="en-US" sz="1200" b="0" i="0" u="none" strike="noStrike" kern="1200" baseline="0" dirty="0" smtClean="0">
-              <a:solidFill>
-                <a:schemeClr val="tx1"/>
-              </a:solidFill>
-              <a:latin typeface="+mn-lt"/>
-              <a:ea typeface="+mn-ea"/>
-              <a:cs typeface="+mn-cs"/>
-            </a:endParaRPr>
           </a:p>
         </p:txBody>
       </p:sp>
@@ -11166,7 +11428,7 @@
           <a:p>
             <a:fld id="{530820CF-B880-4189-942D-D702A7CBA730}" type="datetimeFigureOut">
               <a:rPr lang="zh-CN" altLang="en-US" smtClean="0"/>
-              <a:t>2018/10/16</a:t>
+              <a:t>2018/10/29</a:t>
             </a:fld>
             <a:endParaRPr lang="zh-CN" altLang="en-US"/>
           </a:p>
@@ -11331,7 +11593,7 @@
           <a:p>
             <a:fld id="{530820CF-B880-4189-942D-D702A7CBA730}" type="datetimeFigureOut">
               <a:rPr lang="zh-CN" altLang="en-US" smtClean="0"/>
-              <a:t>2018/10/16</a:t>
+              <a:t>2018/10/29</a:t>
             </a:fld>
             <a:endParaRPr lang="zh-CN" altLang="en-US"/>
           </a:p>
@@ -11570,7 +11832,7 @@
           <a:p>
             <a:fld id="{530820CF-B880-4189-942D-D702A7CBA730}" type="datetimeFigureOut">
               <a:rPr lang="zh-CN" altLang="en-US" smtClean="0"/>
-              <a:t>2018/10/16</a:t>
+              <a:t>2018/10/29</a:t>
             </a:fld>
             <a:endParaRPr lang="zh-CN" altLang="en-US"/>
           </a:p>
@@ -11804,7 +12066,7 @@
           <a:p>
             <a:fld id="{530820CF-B880-4189-942D-D702A7CBA730}" type="datetimeFigureOut">
               <a:rPr lang="zh-CN" altLang="en-US" smtClean="0"/>
-              <a:t>2018/10/16</a:t>
+              <a:t>2018/10/29</a:t>
             </a:fld>
             <a:endParaRPr lang="zh-CN" altLang="en-US"/>
           </a:p>
@@ -12143,7 +12405,7 @@
           <a:p>
             <a:fld id="{530820CF-B880-4189-942D-D702A7CBA730}" type="datetimeFigureOut">
               <a:rPr lang="zh-CN" altLang="en-US" smtClean="0"/>
-              <a:t>2018/10/16</a:t>
+              <a:t>2018/10/29</a:t>
             </a:fld>
             <a:endParaRPr lang="zh-CN" altLang="en-US"/>
           </a:p>
@@ -12490,7 +12752,7 @@
           <a:p>
             <a:fld id="{530820CF-B880-4189-942D-D702A7CBA730}" type="datetimeFigureOut">
               <a:rPr lang="zh-CN" altLang="en-US" smtClean="0"/>
-              <a:t>2018/10/16</a:t>
+              <a:t>2018/10/29</a:t>
             </a:fld>
             <a:endParaRPr lang="zh-CN" altLang="en-US"/>
           </a:p>
@@ -13051,7 +13313,7 @@
           <a:p>
             <a:fld id="{530820CF-B880-4189-942D-D702A7CBA730}" type="datetimeFigureOut">
               <a:rPr lang="zh-CN" altLang="en-US" smtClean="0"/>
-              <a:t>2018/10/16</a:t>
+              <a:t>2018/10/29</a:t>
             </a:fld>
             <a:endParaRPr lang="zh-CN" altLang="en-US"/>
           </a:p>
@@ -13228,7 +13490,7 @@
           <a:p>
             <a:fld id="{530820CF-B880-4189-942D-D702A7CBA730}" type="datetimeFigureOut">
               <a:rPr lang="zh-CN" altLang="en-US" smtClean="0"/>
-              <a:t>2018/10/16</a:t>
+              <a:t>2018/10/29</a:t>
             </a:fld>
             <a:endParaRPr lang="zh-CN" altLang="en-US"/>
           </a:p>
@@ -13323,7 +13585,7 @@
           <a:p>
             <a:fld id="{530820CF-B880-4189-942D-D702A7CBA730}" type="datetimeFigureOut">
               <a:rPr lang="zh-CN" altLang="en-US" smtClean="0"/>
-              <a:t>2018/10/16</a:t>
+              <a:t>2018/10/29</a:t>
             </a:fld>
             <a:endParaRPr lang="zh-CN" altLang="en-US"/>
           </a:p>
@@ -13688,7 +13950,7 @@
           <a:p>
             <a:fld id="{530820CF-B880-4189-942D-D702A7CBA730}" type="datetimeFigureOut">
               <a:rPr lang="zh-CN" altLang="en-US" smtClean="0"/>
-              <a:t>2018/10/16</a:t>
+              <a:t>2018/10/29</a:t>
             </a:fld>
             <a:endParaRPr lang="zh-CN" altLang="en-US"/>
           </a:p>
@@ -14032,7 +14294,7 @@
           <a:p>
             <a:fld id="{530820CF-B880-4189-942D-D702A7CBA730}" type="datetimeFigureOut">
               <a:rPr lang="zh-CN" altLang="en-US" smtClean="0"/>
-              <a:t>2018/10/16</a:t>
+              <a:t>2018/10/29</a:t>
             </a:fld>
             <a:endParaRPr lang="zh-CN" altLang="en-US"/>
           </a:p>
@@ -14303,7 +14565,7 @@
           <a:p>
             <a:fld id="{530820CF-B880-4189-942D-D702A7CBA730}" type="datetimeFigureOut">
               <a:rPr lang="zh-CN" altLang="en-US" smtClean="0"/>
-              <a:t>2018/10/16</a:t>
+              <a:t>2018/10/29</a:t>
             </a:fld>
             <a:endParaRPr lang="zh-CN" altLang="en-US"/>
           </a:p>
@@ -14957,15 +15219,7 @@
             </a:br>
             <a:r>
               <a:rPr lang="en-US" altLang="zh-CN" sz="2400" dirty="0" smtClean="0"/>
-              <a:t>2</a:t>
-            </a:r>
-            <a:r>
-              <a:rPr lang="en-US" altLang="zh-CN" sz="2400" dirty="0" smtClean="0"/>
-              <a:t>.2</a:t>
-            </a:r>
-            <a:r>
-              <a:rPr lang="en-US" altLang="zh-CN" sz="2400" dirty="0" smtClean="0"/>
-              <a:t>  </a:t>
+              <a:t>2.2  </a:t>
             </a:r>
             <a:r>
               <a:rPr lang="en-US" altLang="zh-CN" sz="2400" dirty="0" err="1" smtClean="0"/>
@@ -15289,15 +15543,7 @@
             </a:br>
             <a:r>
               <a:rPr lang="en-US" altLang="zh-CN" sz="2400" dirty="0" smtClean="0"/>
-              <a:t>2</a:t>
-            </a:r>
-            <a:r>
-              <a:rPr lang="en-US" altLang="zh-CN" sz="2400" dirty="0" smtClean="0"/>
-              <a:t>.3</a:t>
-            </a:r>
-            <a:r>
-              <a:rPr lang="en-US" altLang="zh-CN" sz="2400" dirty="0" smtClean="0"/>
-              <a:t>  </a:t>
+              <a:t>2.3  </a:t>
             </a:r>
             <a:r>
               <a:rPr lang="en-US" altLang="zh-CN" sz="2400" dirty="0" err="1" smtClean="0"/>
@@ -15544,15 +15790,7 @@
             </a:br>
             <a:r>
               <a:rPr lang="en-US" altLang="zh-CN" sz="2400" dirty="0" smtClean="0"/>
-              <a:t>2</a:t>
-            </a:r>
-            <a:r>
-              <a:rPr lang="en-US" altLang="zh-CN" sz="2400" dirty="0" smtClean="0"/>
-              <a:t>.4</a:t>
-            </a:r>
-            <a:r>
-              <a:rPr lang="en-US" altLang="zh-CN" sz="2400" dirty="0" smtClean="0"/>
-              <a:t>  </a:t>
+              <a:t>2.4  </a:t>
             </a:r>
             <a:r>
               <a:rPr lang="en-US" altLang="zh-CN" sz="2400" dirty="0" err="1" smtClean="0"/>
@@ -15822,15 +16060,7 @@
             </a:br>
             <a:r>
               <a:rPr lang="en-US" altLang="zh-CN" sz="2400" dirty="0" smtClean="0"/>
-              <a:t>2</a:t>
-            </a:r>
-            <a:r>
-              <a:rPr lang="en-US" altLang="zh-CN" sz="2400" dirty="0" smtClean="0"/>
-              <a:t>.5</a:t>
-            </a:r>
-            <a:r>
-              <a:rPr lang="en-US" altLang="zh-CN" sz="2400" dirty="0" smtClean="0"/>
-              <a:t>  </a:t>
+              <a:t>2.5  </a:t>
             </a:r>
             <a:r>
               <a:rPr lang="en-US" altLang="zh-CN" sz="2400" dirty="0" err="1" smtClean="0"/>
@@ -16191,14 +16421,7 @@
                 <a:latin typeface="楷体" panose="02010609060101010101" pitchFamily="49" charset="-122"/>
                 <a:ea typeface="楷体" panose="02010609060101010101" pitchFamily="49" charset="-122"/>
               </a:rPr>
-              <a:t>redis</a:t>
-            </a:r>
-            <a:r>
-              <a:rPr lang="en-US" altLang="zh-CN" sz="1800" dirty="0" err="1" smtClean="0">
-                <a:latin typeface="楷体" panose="02010609060101010101" pitchFamily="49" charset="-122"/>
-                <a:ea typeface="楷体" panose="02010609060101010101" pitchFamily="49" charset="-122"/>
-              </a:rPr>
-              <a:t>.conf</a:t>
+              <a:t>redis.conf</a:t>
             </a:r>
             <a:r>
               <a:rPr lang="zh-CN" altLang="en-US" sz="1800" dirty="0" smtClean="0">
@@ -18306,11 +18529,7 @@
             </a:br>
             <a:r>
               <a:rPr lang="en-US" altLang="zh-CN" sz="2400" dirty="0" smtClean="0"/>
-              <a:t>4</a:t>
-            </a:r>
-            <a:r>
-              <a:rPr lang="en-US" altLang="zh-CN" sz="2400" dirty="0" smtClean="0"/>
-              <a:t>.1 </a:t>
+              <a:t>4.1 </a:t>
             </a:r>
             <a:r>
               <a:rPr lang="zh-CN" altLang="en-US" sz="2400" dirty="0" smtClean="0"/>
@@ -20453,14 +20672,7 @@
                 <a:latin typeface="楷体" panose="02010609060101010101" pitchFamily="49" charset="-122"/>
                 <a:ea typeface="楷体" panose="02010609060101010101" pitchFamily="49" charset="-122"/>
               </a:rPr>
-              <a:t>：</a:t>
-            </a:r>
-            <a:r>
-              <a:rPr lang="zh-CN" altLang="en-US" sz="1800" dirty="0">
-                <a:latin typeface="楷体" panose="02010609060101010101" pitchFamily="49" charset="-122"/>
-                <a:ea typeface="楷体" panose="02010609060101010101" pitchFamily="49" charset="-122"/>
-              </a:rPr>
-              <a:t>对相同的数据集来说，</a:t>
+              <a:t>：对相同的数据集来说，</a:t>
             </a:r>
             <a:r>
               <a:rPr lang="en-US" altLang="zh-CN" sz="1800" dirty="0" err="1">
@@ -20704,11 +20916,7 @@
             </a:br>
             <a:r>
               <a:rPr lang="en-US" altLang="zh-CN" sz="2400" dirty="0" smtClean="0"/>
-              <a:t>4</a:t>
-            </a:r>
-            <a:r>
-              <a:rPr lang="en-US" altLang="zh-CN" sz="2400" dirty="0" smtClean="0"/>
-              <a:t>.3 </a:t>
+              <a:t>4.3 </a:t>
             </a:r>
             <a:r>
               <a:rPr lang="zh-CN" altLang="en-US" sz="2400" dirty="0" smtClean="0"/>
@@ -20906,11 +21114,7 @@
             </a:br>
             <a:r>
               <a:rPr lang="en-US" altLang="zh-CN" sz="2400" dirty="0" smtClean="0"/>
-              <a:t>4</a:t>
-            </a:r>
-            <a:r>
-              <a:rPr lang="en-US" altLang="zh-CN" sz="2400" dirty="0" smtClean="0"/>
-              <a:t>.4 </a:t>
+              <a:t>4.4 </a:t>
             </a:r>
             <a:r>
               <a:rPr lang="en-US" altLang="zh-CN" sz="2400" dirty="0" err="1" smtClean="0"/>
@@ -20959,6 +21163,20 @@
             <a:pPr marL="457200" lvl="1" indent="0">
               <a:buNone/>
             </a:pPr>
+            <a:r>
+              <a:rPr lang="en-US" altLang="zh-CN" sz="1800" dirty="0" err="1" smtClean="0">
+                <a:latin typeface="楷体" panose="02010609060101010101" pitchFamily="49" charset="-122"/>
+                <a:ea typeface="楷体" panose="02010609060101010101" pitchFamily="49" charset="-122"/>
+              </a:rPr>
+              <a:t>Redis</a:t>
+            </a:r>
+            <a:r>
+              <a:rPr lang="zh-CN" altLang="en-US" sz="1800" dirty="0" smtClean="0">
+                <a:latin typeface="楷体" panose="02010609060101010101" pitchFamily="49" charset="-122"/>
+                <a:ea typeface="楷体" panose="02010609060101010101" pitchFamily="49" charset="-122"/>
+              </a:rPr>
+              <a:t>事务一次可以执行多个命令，保证隔离性、原子性</a:t>
+            </a:r>
             <a:endParaRPr lang="en-US" altLang="zh-CN" sz="1800" dirty="0" smtClean="0">
               <a:latin typeface="楷体" panose="02010609060101010101" pitchFamily="49" charset="-122"/>
               <a:ea typeface="楷体" panose="02010609060101010101" pitchFamily="49" charset="-122"/>
@@ -20966,6 +21184,60 @@
           </a:p>
         </p:txBody>
       </p:sp>
+      <p:pic>
+        <p:nvPicPr>
+          <p:cNvPr id="17410" name="Picture 2"/>
+          <p:cNvPicPr>
+            <a:picLocks noChangeAspect="1" noChangeArrowheads="1"/>
+          </p:cNvPicPr>
+          <p:nvPr/>
+        </p:nvPicPr>
+        <p:blipFill>
+          <a:blip r:embed="rId3">
+            <a:extLst>
+              <a:ext uri="{28A0092B-C50C-407E-A947-70E740481C1C}">
+                <a14:useLocalDpi xmlns:a14="http://schemas.microsoft.com/office/drawing/2010/main" val="0"/>
+              </a:ext>
+            </a:extLst>
+          </a:blip>
+          <a:srcRect/>
+          <a:stretch>
+            <a:fillRect/>
+          </a:stretch>
+        </p:blipFill>
+        <p:spPr bwMode="auto">
+          <a:xfrm>
+            <a:off x="2267744" y="1191077"/>
+            <a:ext cx="3933825" cy="2771775"/>
+          </a:xfrm>
+          <a:prstGeom prst="rect">
+            <a:avLst/>
+          </a:prstGeom>
+          <a:noFill/>
+          <a:ln>
+            <a:noFill/>
+          </a:ln>
+          <a:extLst>
+            <a:ext uri="{909E8E84-426E-40DD-AFC4-6F175D3DCCD1}">
+              <a14:hiddenFill xmlns:a14="http://schemas.microsoft.com/office/drawing/2010/main">
+                <a:solidFill>
+                  <a:schemeClr val="accent1"/>
+                </a:solidFill>
+              </a14:hiddenFill>
+            </a:ext>
+            <a:ext uri="{91240B29-F687-4F45-9708-019B960494DF}">
+              <a14:hiddenLine xmlns:a14="http://schemas.microsoft.com/office/drawing/2010/main" w="9525">
+                <a:solidFill>
+                  <a:schemeClr val="tx1"/>
+                </a:solidFill>
+                <a:miter lim="800000"/>
+                <a:headEnd/>
+                <a:tailEnd/>
+              </a14:hiddenLine>
+            </a:ext>
+          </a:extLst>
+        </p:spPr>
+      </p:pic>
     </p:spTree>
     <p:extLst>
       <p:ext uri="{BB962C8B-B14F-4D97-AF65-F5344CB8AC3E}">
@@ -21035,11 +21307,7 @@
             </a:br>
             <a:r>
               <a:rPr lang="en-US" altLang="zh-CN" sz="2400" dirty="0" smtClean="0"/>
-              <a:t>5.1</a:t>
-            </a:r>
-            <a:r>
-              <a:rPr lang="en-US" altLang="zh-CN" sz="2400" dirty="0" smtClean="0"/>
-              <a:t> </a:t>
+              <a:t>5.1 </a:t>
             </a:r>
             <a:r>
               <a:rPr lang="en-US" altLang="zh-CN" sz="2400" dirty="0" err="1" smtClean="0"/>
@@ -21225,11 +21493,7 @@
             </a:br>
             <a:r>
               <a:rPr lang="en-US" altLang="zh-CN" sz="2400" dirty="0" smtClean="0"/>
-              <a:t>5.1</a:t>
-            </a:r>
-            <a:r>
-              <a:rPr lang="en-US" altLang="zh-CN" sz="2400" dirty="0" smtClean="0"/>
-              <a:t> </a:t>
+              <a:t>5.1 </a:t>
             </a:r>
             <a:r>
               <a:rPr lang="en-US" altLang="zh-CN" sz="2400" dirty="0" err="1" smtClean="0"/>
@@ -21415,11 +21679,7 @@
             </a:br>
             <a:r>
               <a:rPr lang="en-US" altLang="zh-CN" sz="2400" dirty="0" smtClean="0"/>
-              <a:t>5.1</a:t>
-            </a:r>
-            <a:r>
-              <a:rPr lang="en-US" altLang="zh-CN" sz="2400" dirty="0" smtClean="0"/>
-              <a:t> </a:t>
+              <a:t>5.1 </a:t>
             </a:r>
             <a:r>
               <a:rPr lang="en-US" altLang="zh-CN" sz="2400" dirty="0" err="1" smtClean="0"/>
@@ -21614,11 +21874,7 @@
             </a:br>
             <a:r>
               <a:rPr lang="en-US" altLang="zh-CN" sz="2400" dirty="0" smtClean="0"/>
-              <a:t>5. </a:t>
-            </a:r>
-            <a:r>
-              <a:rPr lang="en-US" altLang="zh-CN" sz="2400" dirty="0" smtClean="0"/>
-              <a:t>2 sentinel</a:t>
+              <a:t>5. 2 sentinel</a:t>
             </a:r>
             <a:r>
               <a:rPr lang="zh-CN" altLang="en-US" sz="2400" dirty="0" smtClean="0"/>
@@ -21681,26 +21937,112 @@
               <a:buChar char="l"/>
             </a:pPr>
             <a:r>
+              <a:rPr lang="en-US" altLang="zh-CN" sz="1800" dirty="0" err="1" smtClean="0">
+                <a:latin typeface="楷体" panose="02010609060101010101" pitchFamily="49" charset="-122"/>
+                <a:ea typeface="楷体" panose="02010609060101010101" pitchFamily="49" charset="-122"/>
+              </a:rPr>
+              <a:t>Redis</a:t>
+            </a:r>
+            <a:r>
               <a:rPr lang="zh-CN" altLang="en-US" sz="1800" dirty="0" smtClean="0">
                 <a:latin typeface="楷体" panose="02010609060101010101" pitchFamily="49" charset="-122"/>
                 <a:ea typeface="楷体" panose="02010609060101010101" pitchFamily="49" charset="-122"/>
               </a:rPr>
-              <a:t>不时的监控</a:t>
-            </a:r>
-            <a:r>
-              <a:rPr lang="en-US" altLang="zh-CN" sz="1800" dirty="0" err="1" smtClean="0">
-                <a:latin typeface="楷体" panose="02010609060101010101" pitchFamily="49" charset="-122"/>
-                <a:ea typeface="楷体" panose="02010609060101010101" pitchFamily="49" charset="-122"/>
-              </a:rPr>
-              <a:t>redis</a:t>
+              <a:t>、</a:t>
+            </a:r>
+            <a:r>
+              <a:rPr lang="en-US" altLang="zh-CN" sz="1800" dirty="0" smtClean="0">
+                <a:latin typeface="楷体" panose="02010609060101010101" pitchFamily="49" charset="-122"/>
+                <a:ea typeface="楷体" panose="02010609060101010101" pitchFamily="49" charset="-122"/>
+              </a:rPr>
+              <a:t>sentinel</a:t>
             </a:r>
             <a:r>
               <a:rPr lang="zh-CN" altLang="en-US" sz="1800" dirty="0" smtClean="0">
                 <a:latin typeface="楷体" panose="02010609060101010101" pitchFamily="49" charset="-122"/>
                 <a:ea typeface="楷体" panose="02010609060101010101" pitchFamily="49" charset="-122"/>
               </a:rPr>
-              <a:t>是否按照预期良好的运行</a:t>
-            </a:r>
+              <a:t>节点</a:t>
+            </a:r>
+            <a:r>
+              <a:rPr lang="zh-CN" altLang="en-US" sz="1800" dirty="0" smtClean="0">
+                <a:latin typeface="楷体" panose="02010609060101010101" pitchFamily="49" charset="-122"/>
+                <a:ea typeface="楷体" panose="02010609060101010101" pitchFamily="49" charset="-122"/>
+              </a:rPr>
+              <a:t>状态监测，判断</a:t>
+            </a:r>
+            <a:r>
+              <a:rPr lang="en-US" altLang="zh-CN" sz="1800" dirty="0" smtClean="0">
+                <a:latin typeface="楷体" panose="02010609060101010101" pitchFamily="49" charset="-122"/>
+                <a:ea typeface="楷体" panose="02010609060101010101" pitchFamily="49" charset="-122"/>
+              </a:rPr>
+              <a:t>master</a:t>
+            </a:r>
+            <a:r>
+              <a:rPr lang="zh-CN" altLang="en-US" sz="1800" dirty="0" smtClean="0">
+                <a:latin typeface="楷体" panose="02010609060101010101" pitchFamily="49" charset="-122"/>
+                <a:ea typeface="楷体" panose="02010609060101010101" pitchFamily="49" charset="-122"/>
+              </a:rPr>
+              <a:t>状态和发现新节点</a:t>
+            </a:r>
+            <a:endParaRPr lang="en-US" altLang="zh-CN" sz="1800" dirty="0" smtClean="0">
+              <a:latin typeface="楷体" panose="02010609060101010101" pitchFamily="49" charset="-122"/>
+              <a:ea typeface="楷体" panose="02010609060101010101" pitchFamily="49" charset="-122"/>
+            </a:endParaRPr>
+          </a:p>
+          <a:p>
+            <a:pPr lvl="1">
+              <a:buFont typeface="Wingdings" panose="05000000000000000000" pitchFamily="2" charset="2"/>
+              <a:buChar char="l"/>
+            </a:pPr>
+            <a:endParaRPr lang="en-US" altLang="zh-CN" sz="1800" dirty="0" smtClean="0">
+              <a:latin typeface="楷体" panose="02010609060101010101" pitchFamily="49" charset="-122"/>
+              <a:ea typeface="楷体" panose="02010609060101010101" pitchFamily="49" charset="-122"/>
+            </a:endParaRPr>
+          </a:p>
+          <a:p>
+            <a:pPr lvl="1">
+              <a:buFont typeface="Wingdings" panose="05000000000000000000" pitchFamily="2" charset="2"/>
+              <a:buChar char="l"/>
+            </a:pPr>
+            <a:r>
+              <a:rPr lang="en-US" altLang="zh-CN" sz="1800" dirty="0" smtClean="0">
+                <a:latin typeface="楷体" panose="02010609060101010101" pitchFamily="49" charset="-122"/>
+                <a:ea typeface="楷体" panose="02010609060101010101" pitchFamily="49" charset="-122"/>
+              </a:rPr>
+              <a:t>Master</a:t>
+            </a:r>
+            <a:r>
+              <a:rPr lang="zh-CN" altLang="en-US" sz="1800" dirty="0" smtClean="0">
+                <a:latin typeface="楷体" panose="02010609060101010101" pitchFamily="49" charset="-122"/>
+                <a:ea typeface="楷体" panose="02010609060101010101" pitchFamily="49" charset="-122"/>
+              </a:rPr>
+              <a:t>出现异常后，能够</a:t>
+            </a:r>
+            <a:r>
+              <a:rPr lang="zh-CN" altLang="en-US" sz="1800" dirty="0" smtClean="0">
+                <a:latin typeface="楷体" panose="02010609060101010101" pitchFamily="49" charset="-122"/>
+                <a:ea typeface="楷体" panose="02010609060101010101" pitchFamily="49" charset="-122"/>
+              </a:rPr>
+              <a:t>进行自动</a:t>
+            </a:r>
+            <a:r>
+              <a:rPr lang="zh-CN" altLang="en-US" sz="1800" dirty="0" smtClean="0">
+                <a:latin typeface="楷体" panose="02010609060101010101" pitchFamily="49" charset="-122"/>
+                <a:ea typeface="楷体" panose="02010609060101010101" pitchFamily="49" charset="-122"/>
+              </a:rPr>
+              <a:t>切换</a:t>
+            </a:r>
+            <a:endParaRPr lang="en-US" altLang="zh-CN" sz="1800" dirty="0" smtClean="0">
+              <a:latin typeface="楷体" panose="02010609060101010101" pitchFamily="49" charset="-122"/>
+              <a:ea typeface="楷体" panose="02010609060101010101" pitchFamily="49" charset="-122"/>
+            </a:endParaRPr>
+          </a:p>
+          <a:p>
+            <a:pPr lvl="1">
+              <a:buFont typeface="Wingdings" panose="05000000000000000000" pitchFamily="2" charset="2"/>
+              <a:buChar char="l"/>
+            </a:pPr>
             <a:endParaRPr lang="en-US" altLang="zh-CN" sz="1800" dirty="0">
               <a:latin typeface="楷体" panose="02010609060101010101" pitchFamily="49" charset="-122"/>
               <a:ea typeface="楷体" panose="02010609060101010101" pitchFamily="49" charset="-122"/>
@@ -21716,21 +22058,35 @@
                 <a:latin typeface="楷体" panose="02010609060101010101" pitchFamily="49" charset="-122"/>
                 <a:ea typeface="楷体" panose="02010609060101010101" pitchFamily="49" charset="-122"/>
               </a:rPr>
-              <a:t>如果发现某个</a:t>
+              <a:t>主备切换后，</a:t>
             </a:r>
             <a:r>
               <a:rPr lang="en-US" altLang="zh-CN" sz="1800" dirty="0" err="1" smtClean="0">
                 <a:latin typeface="楷体" panose="02010609060101010101" pitchFamily="49" charset="-122"/>
                 <a:ea typeface="楷体" panose="02010609060101010101" pitchFamily="49" charset="-122"/>
               </a:rPr>
-              <a:t>redis</a:t>
+              <a:t>redis.conf</a:t>
             </a:r>
             <a:r>
               <a:rPr lang="zh-CN" altLang="en-US" sz="1800" dirty="0" smtClean="0">
                 <a:latin typeface="楷体" panose="02010609060101010101" pitchFamily="49" charset="-122"/>
                 <a:ea typeface="楷体" panose="02010609060101010101" pitchFamily="49" charset="-122"/>
               </a:rPr>
-              <a:t>节点运行出现状态，能通知另一个进程（如它的客户端）</a:t>
+              <a:t>和</a:t>
+            </a:r>
+            <a:r>
+              <a:rPr lang="en-US" altLang="zh-CN" sz="1800" dirty="0" err="1" smtClean="0">
+                <a:latin typeface="楷体" panose="02010609060101010101" pitchFamily="49" charset="-122"/>
+                <a:ea typeface="楷体" panose="02010609060101010101" pitchFamily="49" charset="-122"/>
+              </a:rPr>
+              <a:t>sentinel.conf</a:t>
+            </a:r>
+            <a:r>
+              <a:rPr lang="zh-CN" altLang="en-US" sz="1800" dirty="0" smtClean="0">
+                <a:latin typeface="楷体" panose="02010609060101010101" pitchFamily="49" charset="-122"/>
+                <a:ea typeface="楷体" panose="02010609060101010101" pitchFamily="49" charset="-122"/>
+              </a:rPr>
+              <a:t>的内容都会发生改变</a:t>
             </a:r>
             <a:endParaRPr lang="en-US" altLang="zh-CN" sz="1800" dirty="0" smtClean="0">
               <a:latin typeface="楷体" panose="02010609060101010101" pitchFamily="49" charset="-122"/>
@@ -21742,13 +22098,6 @@
               <a:buFont typeface="Wingdings" panose="05000000000000000000" pitchFamily="2" charset="2"/>
               <a:buChar char="l"/>
             </a:pPr>
-            <a:r>
-              <a:rPr lang="zh-CN" altLang="en-US" sz="1800" dirty="0" smtClean="0">
-                <a:latin typeface="楷体" panose="02010609060101010101" pitchFamily="49" charset="-122"/>
-                <a:ea typeface="楷体" panose="02010609060101010101" pitchFamily="49" charset="-122"/>
-              </a:rPr>
-              <a:t>能够进行自动切换</a:t>
-            </a:r>
             <a:endParaRPr lang="en-US" altLang="zh-CN" sz="1800" dirty="0" smtClean="0">
               <a:latin typeface="楷体" panose="02010609060101010101" pitchFamily="49" charset="-122"/>
               <a:ea typeface="楷体" panose="02010609060101010101" pitchFamily="49" charset="-122"/>
@@ -22073,14 +22422,7 @@
                 <a:latin typeface="楷体" panose="02010609060101010101" pitchFamily="49" charset="-122"/>
                 <a:ea typeface="楷体" panose="02010609060101010101" pitchFamily="49" charset="-122"/>
               </a:rPr>
-              <a:t>Sentinel monitor mymaster 127.0.0.1 6379 </a:t>
-            </a:r>
-            <a:r>
-              <a:rPr lang="sv-SE" altLang="zh-CN" sz="1800" dirty="0">
-                <a:latin typeface="楷体" panose="02010609060101010101" pitchFamily="49" charset="-122"/>
-                <a:ea typeface="楷体" panose="02010609060101010101" pitchFamily="49" charset="-122"/>
-              </a:rPr>
-              <a:t>2</a:t>
+              <a:t>Sentinel monitor mymaster 127.0.0.1 6379 2</a:t>
             </a:r>
             <a:r>
               <a:rPr lang="zh-CN" altLang="en-US" sz="1800" dirty="0">
@@ -22115,14 +22457,7 @@
                 <a:latin typeface="楷体" panose="02010609060101010101" pitchFamily="49" charset="-122"/>
                 <a:ea typeface="楷体" panose="02010609060101010101" pitchFamily="49" charset="-122"/>
               </a:rPr>
-              <a:t>挂</a:t>
-            </a:r>
-            <a:r>
-              <a:rPr lang="zh-CN" altLang="en-US" sz="1800" dirty="0">
-                <a:latin typeface="楷体" panose="02010609060101010101" pitchFamily="49" charset="-122"/>
-                <a:ea typeface="楷体" panose="02010609060101010101" pitchFamily="49" charset="-122"/>
-              </a:rPr>
-              <a:t>了之后才可以触发</a:t>
+              <a:t>挂了之后才可以触发</a:t>
             </a:r>
             <a:r>
               <a:rPr lang="en-US" altLang="zh-CN" sz="1800" dirty="0">
@@ -24552,15 +24887,7 @@
             </a:br>
             <a:r>
               <a:rPr lang="en-US" altLang="zh-CN" sz="2400" dirty="0" smtClean="0"/>
-              <a:t>2</a:t>
-            </a:r>
-            <a:r>
-              <a:rPr lang="en-US" altLang="zh-CN" sz="2400" dirty="0" smtClean="0"/>
-              <a:t>.1</a:t>
-            </a:r>
-            <a:r>
-              <a:rPr lang="en-US" altLang="zh-CN" sz="2400" dirty="0" smtClean="0"/>
-              <a:t>  </a:t>
+              <a:t>2.1  </a:t>
             </a:r>
             <a:r>
               <a:rPr lang="en-US" altLang="zh-CN" sz="2400" dirty="0" err="1" smtClean="0"/>
